--- a/英语论文.pptx
+++ b/英语论文.pptx
@@ -3445,7 +3445,7 @@
         </p:blipFill>
         <p:spPr>
           <a:xfrm>
-            <a:off x="5093970" y="2758440"/>
+            <a:off x="5093970" y="2625090"/>
             <a:ext cx="6675120" cy="3752215"/>
           </a:xfrm>
           <a:prstGeom prst="rect">
@@ -3874,8 +3874,8 @@
         </p:nvSpPr>
         <p:spPr>
           <a:xfrm>
-            <a:off x="1270000" y="1574165"/>
-            <a:ext cx="4064000" cy="521970"/>
+            <a:off x="1038860" y="1574165"/>
+            <a:ext cx="4064000" cy="1814830"/>
           </a:xfrm>
           <a:prstGeom prst="rect">
             <a:avLst/>
@@ -3895,6 +3895,25 @@
               </a:rPr>
               <a:t>The DP in Apple's Emoji</a:t>
             </a:r>
+            <a:endParaRPr lang="en-US" altLang="zh-CN" sz="2800">
+              <a:latin typeface="Times New Roman" panose="02020603050405020304" charset="0"/>
+              <a:cs typeface="Times New Roman" panose="02020603050405020304" charset="0"/>
+              <a:sym typeface="+mn-ea"/>
+            </a:endParaRPr>
+          </a:p>
+          <a:p>
+            <a:endParaRPr lang="en-US" altLang="zh-CN" sz="2800">
+              <a:latin typeface="Times New Roman" panose="02020603050405020304" charset="0"/>
+              <a:cs typeface="Times New Roman" panose="02020603050405020304" charset="0"/>
+            </a:endParaRPr>
+          </a:p>
+          <a:p>
+            <a:endParaRPr lang="en-US" altLang="zh-CN" sz="2800">
+              <a:latin typeface="Times New Roman" panose="02020603050405020304" charset="0"/>
+              <a:cs typeface="Times New Roman" panose="02020603050405020304" charset="0"/>
+            </a:endParaRPr>
+          </a:p>
+          <a:p>
             <a:endParaRPr lang="en-US" altLang="zh-CN" sz="2800">
               <a:latin typeface="Times New Roman" panose="02020603050405020304" charset="0"/>
               <a:cs typeface="Times New Roman" panose="02020603050405020304" charset="0"/>
@@ -3922,7 +3941,7 @@
         </p:blipFill>
         <p:spPr>
           <a:xfrm>
-            <a:off x="5549265" y="2604135"/>
+            <a:off x="5997575" y="3516630"/>
             <a:ext cx="6020435" cy="2385060"/>
           </a:xfrm>
           <a:prstGeom prst="rect">
@@ -3930,6 +3949,108 @@
           </a:prstGeom>
         </p:spPr>
       </p:pic>
+      <p:sp>
+        <p:nvSpPr>
+          <p:cNvPr id="6" name="文本框 5"/>
+          <p:cNvSpPr txBox="1"/>
+          <p:nvPr>
+            <p:custDataLst>
+              <p:tags r:id="rId3"/>
+            </p:custDataLst>
+          </p:nvPr>
+        </p:nvSpPr>
+        <p:spPr>
+          <a:xfrm>
+            <a:off x="1038860" y="3973830"/>
+            <a:ext cx="6141720" cy="583565"/>
+          </a:xfrm>
+          <a:prstGeom prst="rect">
+            <a:avLst/>
+          </a:prstGeom>
+          <a:noFill/>
+        </p:spPr>
+        <p:txBody>
+          <a:bodyPr wrap="square" rtlCol="0">
+            <a:spAutoFit/>
+          </a:bodyPr>
+          <a:p>
+            <a:r>
+              <a:rPr lang="en-US" altLang="zh-CN" sz="3200">
+                <a:solidFill>
+                  <a:srgbClr val="FF0000"/>
+                </a:solidFill>
+                <a:latin typeface="Times New Roman" panose="02020603050405020304" charset="0"/>
+                <a:cs typeface="Times New Roman" panose="02020603050405020304" charset="0"/>
+              </a:rPr>
+              <a:t>U</a:t>
+            </a:r>
+            <a:r>
+              <a:rPr lang="zh-CN" altLang="en-US" sz="3200">
+                <a:solidFill>
+                  <a:srgbClr val="FF0000"/>
+                </a:solidFill>
+                <a:latin typeface="Times New Roman" panose="02020603050405020304" charset="0"/>
+                <a:cs typeface="Times New Roman" panose="02020603050405020304" charset="0"/>
+              </a:rPr>
+              <a:t>tility</a:t>
+            </a:r>
+            <a:r>
+              <a:rPr lang="en-US" altLang="zh-CN" sz="3200">
+                <a:solidFill>
+                  <a:srgbClr val="FF0000"/>
+                </a:solidFill>
+                <a:latin typeface="Times New Roman" panose="02020603050405020304" charset="0"/>
+                <a:cs typeface="Times New Roman" panose="02020603050405020304" charset="0"/>
+              </a:rPr>
+              <a:t> and Privacy</a:t>
+            </a:r>
+            <a:endParaRPr lang="en-US" altLang="zh-CN" sz="3200">
+              <a:solidFill>
+                <a:srgbClr val="FF0000"/>
+              </a:solidFill>
+              <a:latin typeface="Times New Roman" panose="02020603050405020304" charset="0"/>
+              <a:cs typeface="Times New Roman" panose="02020603050405020304" charset="0"/>
+            </a:endParaRPr>
+          </a:p>
+        </p:txBody>
+      </p:sp>
+      <p:sp>
+        <p:nvSpPr>
+          <p:cNvPr id="5" name="文本框 4"/>
+          <p:cNvSpPr txBox="1"/>
+          <p:nvPr/>
+        </p:nvSpPr>
+        <p:spPr>
+          <a:xfrm>
+            <a:off x="1038860" y="2373630"/>
+            <a:ext cx="9907270" cy="829945"/>
+          </a:xfrm>
+          <a:prstGeom prst="rect">
+            <a:avLst/>
+          </a:prstGeom>
+          <a:noFill/>
+        </p:spPr>
+        <p:txBody>
+          <a:bodyPr wrap="square" rtlCol="0" anchor="t">
+            <a:spAutoFit/>
+          </a:bodyPr>
+          <a:p>
+            <a:r>
+              <a:rPr lang="en-US" altLang="zh-CN" sz="2400">
+                <a:latin typeface="Times New Roman" panose="02020603050405020304" charset="0"/>
+                <a:cs typeface="Times New Roman" panose="02020603050405020304" charset="0"/>
+                <a:sym typeface="+mn-ea"/>
+              </a:rPr>
+              <a:t>Apple  adds noise to stats on emoji usage to protect persenal privacy and provide better service</a:t>
+            </a:r>
+            <a:endParaRPr lang="en-US" altLang="zh-CN" sz="2400">
+              <a:latin typeface="Times New Roman" panose="02020603050405020304" charset="0"/>
+              <a:cs typeface="Times New Roman" panose="02020603050405020304" charset="0"/>
+              <a:sym typeface="+mn-ea"/>
+            </a:endParaRPr>
+          </a:p>
+        </p:txBody>
+      </p:sp>
     </p:spTree>
   </p:cSld>
   <p:clrMapOvr>
@@ -4047,7 +4168,7 @@
         </p:blipFill>
         <p:spPr>
           <a:xfrm>
-            <a:off x="5535295" y="2419350"/>
+            <a:off x="5422900" y="2382520"/>
             <a:ext cx="6386830" cy="3569970"/>
           </a:xfrm>
           <a:prstGeom prst="rect">
@@ -4055,6 +4176,61 @@
           </a:prstGeom>
         </p:spPr>
       </p:pic>
+      <p:sp>
+        <p:nvSpPr>
+          <p:cNvPr id="7" name="文本框 6"/>
+          <p:cNvSpPr txBox="1"/>
+          <p:nvPr/>
+        </p:nvSpPr>
+        <p:spPr>
+          <a:xfrm>
+            <a:off x="838200" y="2980690"/>
+            <a:ext cx="4236720" cy="1198880"/>
+          </a:xfrm>
+          <a:prstGeom prst="rect">
+            <a:avLst/>
+          </a:prstGeom>
+          <a:noFill/>
+        </p:spPr>
+        <p:txBody>
+          <a:bodyPr wrap="square" rtlCol="0" anchor="t">
+            <a:spAutoFit/>
+          </a:bodyPr>
+          <a:p>
+            <a:r>
+              <a:rPr lang="zh-CN" altLang="en-US" sz="2400">
+                <a:latin typeface="Times New Roman" panose="02020603050405020304" charset="0"/>
+                <a:cs typeface="Times New Roman" panose="02020603050405020304" charset="0"/>
+              </a:rPr>
+              <a:t>Xiaomi phones protect personal </a:t>
+            </a:r>
+            <a:endParaRPr lang="zh-CN" altLang="en-US" sz="2400">
+              <a:latin typeface="Times New Roman" panose="02020603050405020304" charset="0"/>
+              <a:cs typeface="Times New Roman" panose="02020603050405020304" charset="0"/>
+            </a:endParaRPr>
+          </a:p>
+          <a:p>
+            <a:r>
+              <a:rPr lang="en-US" altLang="zh-CN" sz="2400">
+                <a:latin typeface="Times New Roman" panose="02020603050405020304" charset="0"/>
+                <a:cs typeface="Times New Roman" panose="02020603050405020304" charset="0"/>
+              </a:rPr>
+              <a:t>location </a:t>
+            </a:r>
+            <a:r>
+              <a:rPr lang="zh-CN" altLang="en-US" sz="2400">
+                <a:latin typeface="Times New Roman" panose="02020603050405020304" charset="0"/>
+                <a:cs typeface="Times New Roman" panose="02020603050405020304" charset="0"/>
+              </a:rPr>
+              <a:t>privacy by blurring location</a:t>
+            </a:r>
+            <a:endParaRPr lang="zh-CN" altLang="en-US" sz="2400">
+              <a:latin typeface="Times New Roman" panose="02020603050405020304" charset="0"/>
+              <a:cs typeface="Times New Roman" panose="02020603050405020304" charset="0"/>
+            </a:endParaRPr>
+          </a:p>
+        </p:txBody>
+      </p:sp>
     </p:spTree>
   </p:cSld>
   <p:clrMapOvr>
@@ -4256,6 +4432,12 @@
 </file>
 
 <file path=ppt/tags/tag7.xml><?xml version="1.0" encoding="utf-8"?>
+<p:tagLst xmlns:p="http://schemas.openxmlformats.org/presentationml/2006/main">
+  <p:tag name="KSO_WM_BEAUTIFY_FLAG" val=""/>
+</p:tagLst>
+</file>
+
+<file path=ppt/tags/tag8.xml><?xml version="1.0" encoding="utf-8"?>
 <p:tagLst xmlns:p="http://schemas.openxmlformats.org/presentationml/2006/main">
   <p:tag name="COMMONDATA" val="eyJoZGlkIjoiZDZhZTE3YTZmMmE0YTM4NmUyZWVhYTUyMTNmYjI5MzUifQ=="/>
   <p:tag name="KSO_WPP_MARK_KEY" val="7a85afa3-f61e-480e-8902-68004929e94a"/>
